--- a/第五章 树与二叉树/5.3 二叉树的遍历和线索二叉树/课后习题图.pptx
+++ b/第五章 树与二叉树/5.3 二叉树的遍历和线索二叉树/课后习题图.pptx
@@ -6,11 +6,16 @@
   </p:sldMasterIdLst>
   <p:sldIdLst>
     <p:sldId id="256" r:id="rId3"/>
+    <p:sldId id="257" r:id="rId4"/>
+    <p:sldId id="258" r:id="rId5"/>
+    <p:sldId id="259" r:id="rId6"/>
+    <p:sldId id="261" r:id="rId7"/>
+    <p:sldId id="262" r:id="rId8"/>
   </p:sldIdLst>
   <p:sldSz cx="12192000" cy="6858000"/>
   <p:notesSz cx="6858000" cy="9144000"/>
   <p:custDataLst>
-    <p:tags r:id="rId7"/>
+    <p:tags r:id="rId12"/>
   </p:custDataLst>
   <p:defaultTextStyle>
     <a:defPPr>
@@ -115,7 +120,7 @@
             <a:srgbClr val="A4A3A4"/>
           </p15:clr>
         </p15:guide>
-        <p15:guide id="2" pos="3840" userDrawn="1">
+        <p15:guide id="2" pos="3822" userDrawn="1">
           <p15:clr>
             <a:srgbClr val="A4A3A4"/>
           </p15:clr>
@@ -692,114 +697,14 @@
       </p:grpSpPr>
       <p:sp>
         <p:nvSpPr>
-          <p:cNvPr id="2" name="标题 1"/>
-          <p:cNvSpPr>
-            <a:spLocks noGrp="1"/>
-          </p:cNvSpPr>
-          <p:nvPr>
-            <p:ph type="title"/>
+          <p:cNvPr id="4" name="日期占位符 3"/>
+          <p:cNvSpPr>
+            <a:spLocks noGrp="1"/>
+          </p:cNvSpPr>
+          <p:nvPr>
+            <p:ph type="dt" sz="half" idx="10"/>
             <p:custDataLst>
               <p:tags r:id="rId2"/>
-            </p:custDataLst>
-          </p:nvPr>
-        </p:nvSpPr>
-        <p:spPr>
-          <a:xfrm>
-            <a:off x="608400" y="608400"/>
-            <a:ext cx="10969200" cy="705600"/>
-          </a:xfrm>
-        </p:spPr>
-        <p:txBody>
-          <a:bodyPr vert="horz" lIns="90000" tIns="46800" rIns="90000" bIns="46800" rtlCol="0" anchor="ctr" anchorCtr="0">
-            <a:normAutofit/>
-          </a:bodyPr>
-          <a:lstStyle/>
-          <a:p>
-            <a:pPr lvl="0"/>
-            <a:r>
-              <a:rPr lang="zh-CN" altLang="en-US" smtClean="0"/>
-              <a:t>单击此处编辑母版标题样式</a:t>
-            </a:r>
-            <a:endParaRPr lang="zh-CN" altLang="en-US"/>
-          </a:p>
-        </p:txBody>
-      </p:sp>
-      <p:sp>
-        <p:nvSpPr>
-          <p:cNvPr id="3" name="内容占位符 2"/>
-          <p:cNvSpPr>
-            <a:spLocks noGrp="1"/>
-          </p:cNvSpPr>
-          <p:nvPr>
-            <p:ph idx="1"/>
-            <p:custDataLst>
-              <p:tags r:id="rId3"/>
-            </p:custDataLst>
-          </p:nvPr>
-        </p:nvSpPr>
-        <p:spPr>
-          <a:xfrm>
-            <a:off x="608400" y="1490400"/>
-            <a:ext cx="10969200" cy="4759200"/>
-          </a:xfrm>
-        </p:spPr>
-        <p:txBody>
-          <a:bodyPr vert="horz" lIns="90000" tIns="46800" rIns="90000" bIns="46800" rtlCol="0">
-            <a:normAutofit/>
-          </a:bodyPr>
-          <a:lstStyle/>
-          <a:p>
-            <a:pPr lvl="0"/>
-            <a:r>
-              <a:rPr lang="zh-CN" altLang="en-US" smtClean="0"/>
-              <a:t>单击此处编辑母版文本样式</a:t>
-            </a:r>
-            <a:endParaRPr lang="zh-CN" altLang="en-US" smtClean="0"/>
-          </a:p>
-          <a:p>
-            <a:pPr lvl="1"/>
-            <a:r>
-              <a:rPr lang="zh-CN" altLang="en-US" smtClean="0"/>
-              <a:t>第二级</a:t>
-            </a:r>
-            <a:endParaRPr lang="zh-CN" altLang="en-US" smtClean="0"/>
-          </a:p>
-          <a:p>
-            <a:pPr lvl="2"/>
-            <a:r>
-              <a:rPr lang="zh-CN" altLang="en-US" smtClean="0"/>
-              <a:t>第三级</a:t>
-            </a:r>
-            <a:endParaRPr lang="zh-CN" altLang="en-US" smtClean="0"/>
-          </a:p>
-          <a:p>
-            <a:pPr lvl="3"/>
-            <a:r>
-              <a:rPr lang="zh-CN" altLang="en-US" smtClean="0"/>
-              <a:t>第四级</a:t>
-            </a:r>
-            <a:endParaRPr lang="zh-CN" altLang="en-US" smtClean="0"/>
-          </a:p>
-          <a:p>
-            <a:pPr lvl="4"/>
-            <a:r>
-              <a:rPr lang="zh-CN" altLang="en-US" smtClean="0"/>
-              <a:t>第五级</a:t>
-            </a:r>
-            <a:endParaRPr lang="zh-CN" altLang="en-US"/>
-          </a:p>
-        </p:txBody>
-      </p:sp>
-      <p:sp>
-        <p:nvSpPr>
-          <p:cNvPr id="4" name="日期占位符 3"/>
-          <p:cNvSpPr>
-            <a:spLocks noGrp="1"/>
-          </p:cNvSpPr>
-          <p:nvPr>
-            <p:ph type="dt" sz="half" idx="10"/>
-            <p:custDataLst>
-              <p:tags r:id="rId4"/>
             </p:custDataLst>
           </p:nvPr>
         </p:nvSpPr>
@@ -824,7 +729,7 @@
           <p:nvPr>
             <p:ph type="ftr" sz="quarter" idx="11"/>
             <p:custDataLst>
-              <p:tags r:id="rId5"/>
+              <p:tags r:id="rId3"/>
             </p:custDataLst>
           </p:nvPr>
         </p:nvSpPr>
@@ -846,7 +751,7 @@
           <p:nvPr>
             <p:ph type="sldNum" sz="quarter" idx="12"/>
             <p:custDataLst>
-              <p:tags r:id="rId6"/>
+              <p:tags r:id="rId4"/>
             </p:custDataLst>
           </p:nvPr>
         </p:nvSpPr>
@@ -3274,6 +3179,747 @@
 </p:sld>
 </file>
 
+<file path=ppt/slides/slide2.xml><?xml version="1.0" encoding="utf-8"?>
+<p:sld xmlns:a="http://schemas.openxmlformats.org/drawingml/2006/main" xmlns:r="http://schemas.openxmlformats.org/officeDocument/2006/relationships" xmlns:p="http://schemas.openxmlformats.org/presentationml/2006/main">
+  <p:cSld>
+    <p:spTree>
+      <p:nvGrpSpPr>
+        <p:cNvPr id="1" name=""/>
+        <p:cNvGrpSpPr/>
+        <p:nvPr/>
+      </p:nvGrpSpPr>
+      <p:grpSpPr/>
+      <p:grpSp>
+        <p:nvGrpSpPr>
+          <p:cNvPr id="8" name="组合 7"/>
+          <p:cNvGrpSpPr/>
+          <p:nvPr/>
+        </p:nvGrpSpPr>
+        <p:grpSpPr>
+          <a:xfrm>
+            <a:off x="1406525" y="835025"/>
+            <a:ext cx="7695565" cy="2534920"/>
+            <a:chOff x="2215" y="1315"/>
+            <a:chExt cx="12119" cy="3992"/>
+          </a:xfrm>
+        </p:grpSpPr>
+        <p:pic>
+          <p:nvPicPr>
+            <p:cNvPr id="5" name="图片 4" descr="graph"/>
+            <p:cNvPicPr>
+              <a:picLocks noChangeAspect="1"/>
+            </p:cNvPicPr>
+            <p:nvPr/>
+          </p:nvPicPr>
+          <p:blipFill>
+            <a:blip r:embed="rId1"/>
+            <a:srcRect l="30446" t="39321" r="31423" b="38500"/>
+            <a:stretch>
+              <a:fillRect/>
+            </a:stretch>
+          </p:blipFill>
+          <p:spPr>
+            <a:xfrm>
+              <a:off x="2215" y="1315"/>
+              <a:ext cx="2694" cy="1567"/>
+            </a:xfrm>
+            <a:prstGeom prst="rect">
+              <a:avLst/>
+            </a:prstGeom>
+            <a:ln>
+              <a:solidFill>
+                <a:schemeClr val="accent1"/>
+              </a:solidFill>
+            </a:ln>
+          </p:spPr>
+        </p:pic>
+        <p:pic>
+          <p:nvPicPr>
+            <p:cNvPr id="6" name="图片 5" descr="graph (1)"/>
+            <p:cNvPicPr>
+              <a:picLocks noChangeAspect="1"/>
+            </p:cNvPicPr>
+            <p:nvPr/>
+          </p:nvPicPr>
+          <p:blipFill>
+            <a:blip r:embed="rId2"/>
+            <a:srcRect l="21076" t="13970" r="15640" b="14480"/>
+            <a:stretch>
+              <a:fillRect/>
+            </a:stretch>
+          </p:blipFill>
+          <p:spPr>
+            <a:xfrm>
+              <a:off x="5473" y="1315"/>
+              <a:ext cx="3532" cy="3993"/>
+            </a:xfrm>
+            <a:prstGeom prst="rect">
+              <a:avLst/>
+            </a:prstGeom>
+            <a:ln>
+              <a:solidFill>
+                <a:schemeClr val="accent1"/>
+              </a:solidFill>
+            </a:ln>
+          </p:spPr>
+        </p:pic>
+        <p:pic>
+          <p:nvPicPr>
+            <p:cNvPr id="7" name="图片 6" descr="graph (2)"/>
+            <p:cNvPicPr>
+              <a:picLocks noChangeAspect="1"/>
+            </p:cNvPicPr>
+            <p:nvPr/>
+          </p:nvPicPr>
+          <p:blipFill>
+            <a:blip r:embed="rId3"/>
+            <a:srcRect l="20679" t="11536" r="5096" b="21939"/>
+            <a:stretch>
+              <a:fillRect/>
+            </a:stretch>
+          </p:blipFill>
+          <p:spPr>
+            <a:xfrm>
+              <a:off x="9880" y="1315"/>
+              <a:ext cx="4455" cy="3993"/>
+            </a:xfrm>
+            <a:prstGeom prst="rect">
+              <a:avLst/>
+            </a:prstGeom>
+            <a:ln>
+              <a:solidFill>
+                <a:schemeClr val="accent1"/>
+              </a:solidFill>
+            </a:ln>
+          </p:spPr>
+        </p:pic>
+      </p:grpSp>
+    </p:spTree>
+    <p:custDataLst>
+      <p:tags r:id="rId4"/>
+    </p:custDataLst>
+  </p:cSld>
+  <p:clrMapOvr>
+    <a:masterClrMapping/>
+  </p:clrMapOvr>
+</p:sld>
+</file>
+
+<file path=ppt/slides/slide3.xml><?xml version="1.0" encoding="utf-8"?>
+<p:sld xmlns:a="http://schemas.openxmlformats.org/drawingml/2006/main" xmlns:r="http://schemas.openxmlformats.org/officeDocument/2006/relationships" xmlns:p="http://schemas.openxmlformats.org/presentationml/2006/main">
+  <p:cSld>
+    <p:spTree>
+      <p:nvGrpSpPr>
+        <p:cNvPr id="1" name=""/>
+        <p:cNvGrpSpPr/>
+        <p:nvPr/>
+      </p:nvGrpSpPr>
+      <p:grpSpPr/>
+      <p:grpSp>
+        <p:nvGrpSpPr>
+          <p:cNvPr id="7" name="组合 6"/>
+          <p:cNvGrpSpPr/>
+          <p:nvPr/>
+        </p:nvGrpSpPr>
+        <p:grpSpPr>
+          <a:xfrm>
+            <a:off x="1008380" y="344170"/>
+            <a:ext cx="10250805" cy="2547620"/>
+            <a:chOff x="1588" y="542"/>
+            <a:chExt cx="16143" cy="4012"/>
+          </a:xfrm>
+        </p:grpSpPr>
+        <p:pic>
+          <p:nvPicPr>
+            <p:cNvPr id="4" name="图片 3" descr="graph (3)"/>
+            <p:cNvPicPr>
+              <a:picLocks noChangeAspect="1"/>
+            </p:cNvPicPr>
+            <p:nvPr/>
+          </p:nvPicPr>
+          <p:blipFill>
+            <a:blip r:embed="rId1"/>
+            <a:srcRect l="21585" t="51720" r="21359" b="14862"/>
+            <a:stretch>
+              <a:fillRect/>
+            </a:stretch>
+          </p:blipFill>
+          <p:spPr>
+            <a:xfrm>
+              <a:off x="1588" y="542"/>
+              <a:ext cx="4031" cy="2361"/>
+            </a:xfrm>
+            <a:prstGeom prst="rect">
+              <a:avLst/>
+            </a:prstGeom>
+            <a:ln>
+              <a:solidFill>
+                <a:schemeClr val="accent1"/>
+              </a:solidFill>
+            </a:ln>
+          </p:spPr>
+        </p:pic>
+        <p:pic>
+          <p:nvPicPr>
+            <p:cNvPr id="5" name="图片 4" descr="graph (4)"/>
+            <p:cNvPicPr>
+              <a:picLocks noChangeAspect="1"/>
+            </p:cNvPicPr>
+            <p:nvPr/>
+          </p:nvPicPr>
+          <p:blipFill>
+            <a:blip r:embed="rId2"/>
+            <a:srcRect l="11819" t="17155" r="25209" b="46469"/>
+            <a:stretch>
+              <a:fillRect/>
+            </a:stretch>
+          </p:blipFill>
+          <p:spPr>
+            <a:xfrm>
+              <a:off x="6309" y="542"/>
+              <a:ext cx="4736" cy="2736"/>
+            </a:xfrm>
+            <a:prstGeom prst="rect">
+              <a:avLst/>
+            </a:prstGeom>
+            <a:ln>
+              <a:solidFill>
+                <a:schemeClr val="accent1"/>
+              </a:solidFill>
+            </a:ln>
+          </p:spPr>
+        </p:pic>
+        <p:pic>
+          <p:nvPicPr>
+            <p:cNvPr id="6" name="图片 5" descr="graph (5)"/>
+            <p:cNvPicPr>
+              <a:picLocks noChangeAspect="1"/>
+            </p:cNvPicPr>
+            <p:nvPr/>
+          </p:nvPicPr>
+          <p:blipFill>
+            <a:blip r:embed="rId3"/>
+            <a:srcRect l="8252" t="5336" r="6879" b="27544"/>
+            <a:stretch>
+              <a:fillRect/>
+            </a:stretch>
+          </p:blipFill>
+          <p:spPr>
+            <a:xfrm>
+              <a:off x="11735" y="542"/>
+              <a:ext cx="5996" cy="4012"/>
+            </a:xfrm>
+            <a:prstGeom prst="rect">
+              <a:avLst/>
+            </a:prstGeom>
+            <a:ln>
+              <a:solidFill>
+                <a:schemeClr val="accent1"/>
+              </a:solidFill>
+            </a:ln>
+          </p:spPr>
+        </p:pic>
+      </p:grpSp>
+    </p:spTree>
+    <p:custDataLst>
+      <p:tags r:id="rId4"/>
+    </p:custDataLst>
+  </p:cSld>
+  <p:clrMapOvr>
+    <a:masterClrMapping/>
+  </p:clrMapOvr>
+</p:sld>
+</file>
+
+<file path=ppt/slides/slide4.xml><?xml version="1.0" encoding="utf-8"?>
+<p:sld xmlns:a="http://schemas.openxmlformats.org/drawingml/2006/main" xmlns:r="http://schemas.openxmlformats.org/officeDocument/2006/relationships" xmlns:p="http://schemas.openxmlformats.org/presentationml/2006/main">
+  <p:cSld>
+    <p:spTree>
+      <p:nvGrpSpPr>
+        <p:cNvPr id="1" name=""/>
+        <p:cNvGrpSpPr/>
+        <p:nvPr/>
+      </p:nvGrpSpPr>
+      <p:grpSpPr/>
+      <p:grpSp>
+        <p:nvGrpSpPr>
+          <p:cNvPr id="7" name="组合 6"/>
+          <p:cNvGrpSpPr/>
+          <p:nvPr/>
+        </p:nvGrpSpPr>
+        <p:grpSpPr>
+          <a:xfrm>
+            <a:off x="895350" y="490220"/>
+            <a:ext cx="9377045" cy="2595880"/>
+            <a:chOff x="1410" y="772"/>
+            <a:chExt cx="14767" cy="4088"/>
+          </a:xfrm>
+        </p:grpSpPr>
+        <p:pic>
+          <p:nvPicPr>
+            <p:cNvPr id="4" name="图片 3" descr="graph (6)"/>
+            <p:cNvPicPr>
+              <a:picLocks noChangeAspect="1"/>
+            </p:cNvPicPr>
+            <p:nvPr/>
+          </p:nvPicPr>
+          <p:blipFill>
+            <a:blip r:embed="rId1"/>
+            <a:srcRect l="21741" t="56447" r="21486" b="14282"/>
+            <a:stretch>
+              <a:fillRect/>
+            </a:stretch>
+          </p:blipFill>
+          <p:spPr>
+            <a:xfrm>
+              <a:off x="1410" y="772"/>
+              <a:ext cx="4011" cy="2068"/>
+            </a:xfrm>
+            <a:prstGeom prst="rect">
+              <a:avLst/>
+            </a:prstGeom>
+            <a:ln>
+              <a:solidFill>
+                <a:schemeClr val="accent1"/>
+              </a:solidFill>
+            </a:ln>
+          </p:spPr>
+        </p:pic>
+        <p:pic>
+          <p:nvPicPr>
+            <p:cNvPr id="5" name="图片 4" descr="graph (7)"/>
+            <p:cNvPicPr>
+              <a:picLocks noChangeAspect="1"/>
+            </p:cNvPicPr>
+            <p:nvPr/>
+          </p:nvPicPr>
+          <p:blipFill>
+            <a:blip r:embed="rId2"/>
+            <a:srcRect l="13291" t="16667" r="16929" b="29038"/>
+            <a:stretch>
+              <a:fillRect/>
+            </a:stretch>
+          </p:blipFill>
+          <p:spPr>
+            <a:xfrm>
+              <a:off x="6006" y="772"/>
+              <a:ext cx="4700" cy="3657"/>
+            </a:xfrm>
+            <a:prstGeom prst="rect">
+              <a:avLst/>
+            </a:prstGeom>
+            <a:ln>
+              <a:solidFill>
+                <a:schemeClr val="accent1"/>
+              </a:solidFill>
+            </a:ln>
+          </p:spPr>
+        </p:pic>
+        <p:pic>
+          <p:nvPicPr>
+            <p:cNvPr id="6" name="图片 5" descr="graph (8)"/>
+            <p:cNvPicPr>
+              <a:picLocks noChangeAspect="1"/>
+            </p:cNvPicPr>
+            <p:nvPr/>
+          </p:nvPicPr>
+          <p:blipFill>
+            <a:blip r:embed="rId3"/>
+            <a:srcRect l="18259" t="14084" r="18089" b="28054"/>
+            <a:stretch>
+              <a:fillRect/>
+            </a:stretch>
+          </p:blipFill>
+          <p:spPr>
+            <a:xfrm>
+              <a:off x="11681" y="772"/>
+              <a:ext cx="4497" cy="4088"/>
+            </a:xfrm>
+            <a:prstGeom prst="rect">
+              <a:avLst/>
+            </a:prstGeom>
+            <a:ln>
+              <a:solidFill>
+                <a:schemeClr val="accent1"/>
+              </a:solidFill>
+            </a:ln>
+          </p:spPr>
+        </p:pic>
+      </p:grpSp>
+    </p:spTree>
+    <p:custDataLst>
+      <p:tags r:id="rId4"/>
+    </p:custDataLst>
+  </p:cSld>
+  <p:clrMapOvr>
+    <a:masterClrMapping/>
+  </p:clrMapOvr>
+</p:sld>
+</file>
+
+<file path=ppt/slides/slide5.xml><?xml version="1.0" encoding="utf-8"?>
+<p:sld xmlns:a="http://schemas.openxmlformats.org/drawingml/2006/main" xmlns:r="http://schemas.openxmlformats.org/officeDocument/2006/relationships" xmlns:p="http://schemas.openxmlformats.org/presentationml/2006/main">
+  <p:cSld>
+    <p:spTree>
+      <p:nvGrpSpPr>
+        <p:cNvPr id="1" name=""/>
+        <p:cNvGrpSpPr/>
+        <p:nvPr/>
+      </p:nvGrpSpPr>
+      <p:grpSpPr/>
+      <p:pic>
+        <p:nvPicPr>
+          <p:cNvPr id="2" name="图片 1" descr="graph (9)"/>
+          <p:cNvPicPr>
+            <a:picLocks noChangeAspect="1"/>
+          </p:cNvPicPr>
+          <p:nvPr/>
+        </p:nvPicPr>
+        <p:blipFill>
+          <a:blip r:embed="rId1"/>
+          <a:srcRect l="18061" t="10517" r="22222" b="21472"/>
+          <a:stretch>
+            <a:fillRect/>
+          </a:stretch>
+        </p:blipFill>
+        <p:spPr>
+          <a:xfrm>
+            <a:off x="4662805" y="1657350"/>
+            <a:ext cx="2679065" cy="3051175"/>
+          </a:xfrm>
+          <a:prstGeom prst="rect">
+            <a:avLst/>
+          </a:prstGeom>
+          <a:ln>
+            <a:solidFill>
+              <a:schemeClr val="accent1"/>
+            </a:solidFill>
+          </a:ln>
+        </p:spPr>
+      </p:pic>
+    </p:spTree>
+    <p:custDataLst>
+      <p:tags r:id="rId2"/>
+    </p:custDataLst>
+  </p:cSld>
+  <p:clrMapOvr>
+    <a:masterClrMapping/>
+  </p:clrMapOvr>
+</p:sld>
+</file>
+
+<file path=ppt/slides/slide6.xml><?xml version="1.0" encoding="utf-8"?>
+<p:sld xmlns:a="http://schemas.openxmlformats.org/drawingml/2006/main" xmlns:r="http://schemas.openxmlformats.org/officeDocument/2006/relationships" xmlns:p="http://schemas.openxmlformats.org/presentationml/2006/main">
+  <p:cSld>
+    <p:spTree>
+      <p:nvGrpSpPr>
+        <p:cNvPr id="1" name=""/>
+        <p:cNvGrpSpPr/>
+        <p:nvPr/>
+      </p:nvGrpSpPr>
+      <p:grpSpPr/>
+      <p:grpSp>
+        <p:nvGrpSpPr>
+          <p:cNvPr id="10" name="组合 9"/>
+          <p:cNvGrpSpPr/>
+          <p:nvPr/>
+        </p:nvGrpSpPr>
+        <p:grpSpPr>
+          <a:xfrm>
+            <a:off x="775970" y="542925"/>
+            <a:ext cx="9549765" cy="2736215"/>
+            <a:chOff x="1222" y="855"/>
+            <a:chExt cx="15039" cy="4309"/>
+          </a:xfrm>
+        </p:grpSpPr>
+        <p:pic>
+          <p:nvPicPr>
+            <p:cNvPr id="2" name="图片 1" descr="graph (10)"/>
+            <p:cNvPicPr>
+              <a:picLocks noChangeAspect="1"/>
+            </p:cNvPicPr>
+            <p:nvPr/>
+          </p:nvPicPr>
+          <p:blipFill>
+            <a:blip r:embed="rId1"/>
+            <a:srcRect l="23057" t="8563" r="30219" b="43822"/>
+            <a:stretch>
+              <a:fillRect/>
+            </a:stretch>
+          </p:blipFill>
+          <p:spPr>
+            <a:xfrm>
+              <a:off x="1222" y="855"/>
+              <a:ext cx="3301" cy="3364"/>
+            </a:xfrm>
+            <a:prstGeom prst="rect">
+              <a:avLst/>
+            </a:prstGeom>
+            <a:ln>
+              <a:solidFill>
+                <a:schemeClr val="accent1"/>
+              </a:solidFill>
+            </a:ln>
+          </p:spPr>
+        </p:pic>
+        <p:sp>
+          <p:nvSpPr>
+            <p:cNvPr id="3" name="文本框 2"/>
+            <p:cNvSpPr txBox="1"/>
+            <p:nvPr/>
+          </p:nvSpPr>
+          <p:spPr>
+            <a:xfrm>
+              <a:off x="1347" y="4219"/>
+              <a:ext cx="3176" cy="919"/>
+            </a:xfrm>
+            <a:prstGeom prst="rect">
+              <a:avLst/>
+            </a:prstGeom>
+            <a:noFill/>
+          </p:spPr>
+          <p:txBody>
+            <a:bodyPr wrap="square" rtlCol="0">
+              <a:spAutoFit/>
+            </a:bodyPr>
+            <a:p>
+              <a:pPr algn="ctr"/>
+              <a:r>
+                <a:rPr lang="en-US" altLang="zh-CN" sz="3200" b="1">
+                  <a:latin typeface="Consolas" panose="020B0609020204030204" charset="0"/>
+                  <a:cs typeface="Consolas" panose="020B0609020204030204" charset="0"/>
+                </a:rPr>
+                <a:t>A</a:t>
+              </a:r>
+              <a:endParaRPr lang="en-US" altLang="zh-CN" sz="3200" b="1">
+                <a:latin typeface="Consolas" panose="020B0609020204030204" charset="0"/>
+                <a:cs typeface="Consolas" panose="020B0609020204030204" charset="0"/>
+              </a:endParaRPr>
+            </a:p>
+          </p:txBody>
+        </p:sp>
+        <p:pic>
+          <p:nvPicPr>
+            <p:cNvPr id="4" name="图片 3" descr="graph (11)"/>
+            <p:cNvPicPr>
+              <a:picLocks noChangeAspect="1"/>
+            </p:cNvPicPr>
+            <p:nvPr/>
+          </p:nvPicPr>
+          <p:blipFill>
+            <a:blip r:embed="rId2"/>
+            <a:srcRect l="23355" t="5025" r="27573" b="40679"/>
+            <a:stretch>
+              <a:fillRect/>
+            </a:stretch>
+          </p:blipFill>
+          <p:spPr>
+            <a:xfrm>
+              <a:off x="5150" y="855"/>
+              <a:ext cx="3467" cy="3363"/>
+            </a:xfrm>
+            <a:prstGeom prst="rect">
+              <a:avLst/>
+            </a:prstGeom>
+            <a:ln>
+              <a:solidFill>
+                <a:schemeClr val="accent1"/>
+              </a:solidFill>
+            </a:ln>
+          </p:spPr>
+        </p:pic>
+        <p:sp>
+          <p:nvSpPr>
+            <p:cNvPr id="5" name="文本框 4"/>
+            <p:cNvSpPr txBox="1"/>
+            <p:nvPr>
+              <p:custDataLst>
+                <p:tags r:id="rId3"/>
+              </p:custDataLst>
+            </p:nvPr>
+          </p:nvSpPr>
+          <p:spPr>
+            <a:xfrm>
+              <a:off x="5441" y="4219"/>
+              <a:ext cx="3176" cy="919"/>
+            </a:xfrm>
+            <a:prstGeom prst="rect">
+              <a:avLst/>
+            </a:prstGeom>
+            <a:noFill/>
+          </p:spPr>
+          <p:txBody>
+            <a:bodyPr wrap="square" rtlCol="0">
+              <a:spAutoFit/>
+            </a:bodyPr>
+            <a:p>
+              <a:pPr algn="ctr"/>
+              <a:r>
+                <a:rPr lang="en-US" altLang="zh-CN" sz="3200" b="1">
+                  <a:latin typeface="Consolas" panose="020B0609020204030204" charset="0"/>
+                  <a:cs typeface="Consolas" panose="020B0609020204030204" charset="0"/>
+                </a:rPr>
+                <a:t>B</a:t>
+              </a:r>
+              <a:endParaRPr lang="en-US" altLang="zh-CN" sz="3200" b="1">
+                <a:latin typeface="Consolas" panose="020B0609020204030204" charset="0"/>
+                <a:cs typeface="Consolas" panose="020B0609020204030204" charset="0"/>
+              </a:endParaRPr>
+            </a:p>
+          </p:txBody>
+        </p:sp>
+        <p:pic>
+          <p:nvPicPr>
+            <p:cNvPr id="6" name="图片 5" descr="graph (12)"/>
+            <p:cNvPicPr>
+              <a:picLocks noChangeAspect="1"/>
+            </p:cNvPicPr>
+            <p:nvPr/>
+          </p:nvPicPr>
+          <p:blipFill>
+            <a:blip r:embed="rId4"/>
+            <a:srcRect l="35173" t="23057" r="31408" b="33178"/>
+            <a:stretch>
+              <a:fillRect/>
+            </a:stretch>
+          </p:blipFill>
+          <p:spPr>
+            <a:xfrm>
+              <a:off x="9556" y="855"/>
+              <a:ext cx="2589" cy="3391"/>
+            </a:xfrm>
+            <a:prstGeom prst="rect">
+              <a:avLst/>
+            </a:prstGeom>
+            <a:ln>
+              <a:solidFill>
+                <a:schemeClr val="accent1"/>
+              </a:solidFill>
+            </a:ln>
+          </p:spPr>
+        </p:pic>
+        <p:sp>
+          <p:nvSpPr>
+            <p:cNvPr id="7" name="文本框 6"/>
+            <p:cNvSpPr txBox="1"/>
+            <p:nvPr>
+              <p:custDataLst>
+                <p:tags r:id="rId5"/>
+              </p:custDataLst>
+            </p:nvPr>
+          </p:nvSpPr>
+          <p:spPr>
+            <a:xfrm>
+              <a:off x="9263" y="4246"/>
+              <a:ext cx="3176" cy="919"/>
+            </a:xfrm>
+            <a:prstGeom prst="rect">
+              <a:avLst/>
+            </a:prstGeom>
+            <a:noFill/>
+          </p:spPr>
+          <p:txBody>
+            <a:bodyPr wrap="square" rtlCol="0">
+              <a:spAutoFit/>
+            </a:bodyPr>
+            <a:p>
+              <a:pPr algn="ctr"/>
+              <a:r>
+                <a:rPr lang="en-US" altLang="zh-CN" sz="3200" b="1">
+                  <a:latin typeface="Consolas" panose="020B0609020204030204" charset="0"/>
+                  <a:cs typeface="Consolas" panose="020B0609020204030204" charset="0"/>
+                </a:rPr>
+                <a:t>C</a:t>
+              </a:r>
+              <a:endParaRPr lang="en-US" altLang="zh-CN" sz="3200" b="1">
+                <a:latin typeface="Consolas" panose="020B0609020204030204" charset="0"/>
+                <a:cs typeface="Consolas" panose="020B0609020204030204" charset="0"/>
+              </a:endParaRPr>
+            </a:p>
+          </p:txBody>
+        </p:sp>
+        <p:pic>
+          <p:nvPicPr>
+            <p:cNvPr id="8" name="图片 7" descr="graph (13)"/>
+            <p:cNvPicPr>
+              <a:picLocks noChangeAspect="1"/>
+            </p:cNvPicPr>
+            <p:nvPr/>
+          </p:nvPicPr>
+          <p:blipFill>
+            <a:blip r:embed="rId6"/>
+            <a:srcRect l="22647" t="16504" r="34112" b="39377"/>
+            <a:stretch>
+              <a:fillRect/>
+            </a:stretch>
+          </p:blipFill>
+          <p:spPr>
+            <a:xfrm>
+              <a:off x="13084" y="855"/>
+              <a:ext cx="3055" cy="3390"/>
+            </a:xfrm>
+            <a:prstGeom prst="rect">
+              <a:avLst/>
+            </a:prstGeom>
+            <a:ln>
+              <a:solidFill>
+                <a:schemeClr val="accent1"/>
+              </a:solidFill>
+            </a:ln>
+          </p:spPr>
+        </p:pic>
+        <p:sp>
+          <p:nvSpPr>
+            <p:cNvPr id="9" name="文本框 8"/>
+            <p:cNvSpPr txBox="1"/>
+            <p:nvPr>
+              <p:custDataLst>
+                <p:tags r:id="rId7"/>
+              </p:custDataLst>
+            </p:nvPr>
+          </p:nvSpPr>
+          <p:spPr>
+            <a:xfrm>
+              <a:off x="13085" y="4246"/>
+              <a:ext cx="3176" cy="919"/>
+            </a:xfrm>
+            <a:prstGeom prst="rect">
+              <a:avLst/>
+            </a:prstGeom>
+            <a:noFill/>
+          </p:spPr>
+          <p:txBody>
+            <a:bodyPr wrap="square" rtlCol="0">
+              <a:spAutoFit/>
+            </a:bodyPr>
+            <a:p>
+              <a:pPr algn="ctr"/>
+              <a:r>
+                <a:rPr lang="en-US" altLang="zh-CN" sz="3200" b="1">
+                  <a:latin typeface="Consolas" panose="020B0609020204030204" charset="0"/>
+                  <a:cs typeface="Consolas" panose="020B0609020204030204" charset="0"/>
+                </a:rPr>
+                <a:t>D</a:t>
+              </a:r>
+              <a:endParaRPr lang="en-US" altLang="zh-CN" sz="3200" b="1">
+                <a:latin typeface="Consolas" panose="020B0609020204030204" charset="0"/>
+                <a:cs typeface="Consolas" panose="020B0609020204030204" charset="0"/>
+              </a:endParaRPr>
+            </a:p>
+          </p:txBody>
+        </p:sp>
+      </p:grpSp>
+    </p:spTree>
+    <p:custDataLst>
+      <p:tags r:id="rId8"/>
+    </p:custDataLst>
+  </p:cSld>
+  <p:clrMapOvr>
+    <a:masterClrMapping/>
+  </p:clrMapOvr>
+</p:sld>
+</file>
+
 <file path=ppt/tags/tag1.xml><?xml version="1.0" encoding="utf-8"?>
 <p:tagLst xmlns:p="http://schemas.openxmlformats.org/presentationml/2006/main">
   <p:tag name="KSO_WM_UNIT_HIGHLIGHT" val="0"/>
@@ -3293,7 +3939,7 @@
   <p:tag name="KSO_WM_UNIT_COMPATIBLE" val="0"/>
   <p:tag name="KSO_WM_UNIT_DIAGRAM_ISNUMVISUAL" val="0"/>
   <p:tag name="KSO_WM_UNIT_DIAGRAM_ISREFERUNIT" val="0"/>
-  <p:tag name="KSO_WM_UNIT_ID" val="_2**"/>
+  <p:tag name="KSO_WM_UNIT_ID" val="_3**"/>
   <p:tag name="KSO_WM_UNIT_LAYERLEVEL" val="1"/>
   <p:tag name="KSO_WM_TAG_VERSION" val="1.0"/>
   <p:tag name="KSO_WM_BEAUTIFY_FLAG" val="#wm#"/>
@@ -3345,7 +3991,7 @@
   <p:tag name="KSO_WM_UNIT_COMPATIBLE" val="0"/>
   <p:tag name="KSO_WM_UNIT_DIAGRAM_ISNUMVISUAL" val="0"/>
   <p:tag name="KSO_WM_UNIT_DIAGRAM_ISREFERUNIT" val="0"/>
-  <p:tag name="KSO_WM_UNIT_ID" val="_3**"/>
+  <p:tag name="KSO_WM_UNIT_ID" val="_4**"/>
   <p:tag name="KSO_WM_UNIT_LAYERLEVEL" val="1"/>
   <p:tag name="KSO_WM_TAG_VERSION" val="1.0"/>
   <p:tag name="KSO_WM_BEAUTIFY_FLAG" val="#wm#"/>
@@ -3358,7 +4004,7 @@
   <p:tag name="KSO_WM_UNIT_COMPATIBLE" val="0"/>
   <p:tag name="KSO_WM_UNIT_DIAGRAM_ISNUMVISUAL" val="0"/>
   <p:tag name="KSO_WM_UNIT_DIAGRAM_ISREFERUNIT" val="0"/>
-  <p:tag name="KSO_WM_UNIT_ID" val="_3**"/>
+  <p:tag name="KSO_WM_UNIT_ID" val="_4**"/>
   <p:tag name="KSO_WM_UNIT_LAYERLEVEL" val="1"/>
   <p:tag name="KSO_WM_TAG_VERSION" val="1.0"/>
   <p:tag name="KSO_WM_BEAUTIFY_FLAG" val="#wm#"/>
@@ -3436,7 +4082,7 @@
   <p:tag name="KSO_WM_UNIT_COMPATIBLE" val="0"/>
   <p:tag name="KSO_WM_UNIT_DIAGRAM_ISNUMVISUAL" val="0"/>
   <p:tag name="KSO_WM_UNIT_DIAGRAM_ISREFERUNIT" val="0"/>
-  <p:tag name="KSO_WM_UNIT_ID" val="_4**"/>
+  <p:tag name="KSO_WM_UNIT_ID" val="_5**"/>
   <p:tag name="KSO_WM_UNIT_LAYERLEVEL" val="1"/>
   <p:tag name="KSO_WM_TAG_VERSION" val="1.0"/>
   <p:tag name="KSO_WM_BEAUTIFY_FLAG" val="#wm#"/>
@@ -3449,7 +4095,7 @@
   <p:tag name="KSO_WM_UNIT_COMPATIBLE" val="0"/>
   <p:tag name="KSO_WM_UNIT_DIAGRAM_ISNUMVISUAL" val="0"/>
   <p:tag name="KSO_WM_UNIT_DIAGRAM_ISREFERUNIT" val="0"/>
-  <p:tag name="KSO_WM_UNIT_ID" val="_4**"/>
+  <p:tag name="KSO_WM_UNIT_ID" val="_5**"/>
   <p:tag name="KSO_WM_UNIT_LAYERLEVEL" val="1"/>
   <p:tag name="KSO_WM_TAG_VERSION" val="1.0"/>
   <p:tag name="KSO_WM_BEAUTIFY_FLAG" val="#wm#"/>
@@ -3540,7 +4186,7 @@
   <p:tag name="KSO_WM_UNIT_COMPATIBLE" val="0"/>
   <p:tag name="KSO_WM_UNIT_DIAGRAM_ISNUMVISUAL" val="0"/>
   <p:tag name="KSO_WM_UNIT_DIAGRAM_ISREFERUNIT" val="0"/>
-  <p:tag name="KSO_WM_UNIT_ID" val="_5**"/>
+  <p:tag name="KSO_WM_UNIT_ID" val="_6**"/>
   <p:tag name="KSO_WM_UNIT_LAYERLEVEL" val="1"/>
   <p:tag name="KSO_WM_TAG_VERSION" val="1.0"/>
   <p:tag name="KSO_WM_BEAUTIFY_FLAG" val="#wm#"/>
@@ -3553,7 +4199,7 @@
   <p:tag name="KSO_WM_UNIT_COMPATIBLE" val="0"/>
   <p:tag name="KSO_WM_UNIT_DIAGRAM_ISNUMVISUAL" val="0"/>
   <p:tag name="KSO_WM_UNIT_DIAGRAM_ISREFERUNIT" val="0"/>
-  <p:tag name="KSO_WM_UNIT_ID" val="_5**"/>
+  <p:tag name="KSO_WM_UNIT_ID" val="_6**"/>
   <p:tag name="KSO_WM_UNIT_LAYERLEVEL" val="1"/>
   <p:tag name="KSO_WM_TAG_VERSION" val="1.0"/>
   <p:tag name="KSO_WM_BEAUTIFY_FLAG" val="#wm#"/>
@@ -3605,7 +4251,7 @@
   <p:tag name="KSO_WM_UNIT_COMPATIBLE" val="0"/>
   <p:tag name="KSO_WM_UNIT_DIAGRAM_ISNUMVISUAL" val="0"/>
   <p:tag name="KSO_WM_UNIT_DIAGRAM_ISREFERUNIT" val="0"/>
-  <p:tag name="KSO_WM_UNIT_ID" val="_6**"/>
+  <p:tag name="KSO_WM_UNIT_ID" val="_7**"/>
   <p:tag name="KSO_WM_UNIT_LAYERLEVEL" val="1"/>
   <p:tag name="KSO_WM_TAG_VERSION" val="1.0"/>
   <p:tag name="KSO_WM_BEAUTIFY_FLAG" val="#wm#"/>
@@ -3618,7 +4264,7 @@
   <p:tag name="KSO_WM_UNIT_COMPATIBLE" val="0"/>
   <p:tag name="KSO_WM_UNIT_DIAGRAM_ISNUMVISUAL" val="0"/>
   <p:tag name="KSO_WM_UNIT_DIAGRAM_ISREFERUNIT" val="0"/>
-  <p:tag name="KSO_WM_UNIT_ID" val="_6**"/>
+  <p:tag name="KSO_WM_UNIT_ID" val="_7**"/>
   <p:tag name="KSO_WM_UNIT_LAYERLEVEL" val="1"/>
   <p:tag name="KSO_WM_TAG_VERSION" val="1.0"/>
   <p:tag name="KSO_WM_BEAUTIFY_FLAG" val="#wm#"/>
@@ -3644,7 +4290,7 @@
   <p:tag name="KSO_WM_UNIT_COMPATIBLE" val="0"/>
   <p:tag name="KSO_WM_UNIT_DIAGRAM_ISNUMVISUAL" val="0"/>
   <p:tag name="KSO_WM_UNIT_DIAGRAM_ISREFERUNIT" val="0"/>
-  <p:tag name="KSO_WM_UNIT_ID" val="_7**"/>
+  <p:tag name="KSO_WM_UNIT_ID" val="_8**"/>
   <p:tag name="KSO_WM_UNIT_LAYERLEVEL" val="1"/>
   <p:tag name="KSO_WM_TAG_VERSION" val="1.0"/>
   <p:tag name="KSO_WM_BEAUTIFY_FLAG" val="#wm#"/>
@@ -3657,7 +4303,7 @@
   <p:tag name="KSO_WM_UNIT_COMPATIBLE" val="0"/>
   <p:tag name="KSO_WM_UNIT_DIAGRAM_ISNUMVISUAL" val="0"/>
   <p:tag name="KSO_WM_UNIT_DIAGRAM_ISREFERUNIT" val="0"/>
-  <p:tag name="KSO_WM_UNIT_ID" val="_7**"/>
+  <p:tag name="KSO_WM_UNIT_ID" val="_8**"/>
   <p:tag name="KSO_WM_UNIT_LAYERLEVEL" val="1"/>
   <p:tag name="KSO_WM_TAG_VERSION" val="1.0"/>
   <p:tag name="KSO_WM_BEAUTIFY_FLAG" val="#wm#"/>
@@ -3735,7 +4381,7 @@
   <p:tag name="KSO_WM_UNIT_COMPATIBLE" val="0"/>
   <p:tag name="KSO_WM_UNIT_DIAGRAM_ISNUMVISUAL" val="0"/>
   <p:tag name="KSO_WM_UNIT_DIAGRAM_ISREFERUNIT" val="0"/>
-  <p:tag name="KSO_WM_UNIT_ID" val="_8**"/>
+  <p:tag name="KSO_WM_UNIT_ID" val="_9**"/>
   <p:tag name="KSO_WM_UNIT_LAYERLEVEL" val="1"/>
   <p:tag name="KSO_WM_TAG_VERSION" val="1.0"/>
   <p:tag name="KSO_WM_BEAUTIFY_FLAG" val="#wm#"/>
@@ -3748,7 +4394,7 @@
   <p:tag name="KSO_WM_UNIT_COMPATIBLE" val="0"/>
   <p:tag name="KSO_WM_UNIT_DIAGRAM_ISNUMVISUAL" val="0"/>
   <p:tag name="KSO_WM_UNIT_DIAGRAM_ISREFERUNIT" val="0"/>
-  <p:tag name="KSO_WM_UNIT_ID" val="_8**"/>
+  <p:tag name="KSO_WM_UNIT_ID" val="_9**"/>
   <p:tag name="KSO_WM_UNIT_LAYERLEVEL" val="1"/>
   <p:tag name="KSO_WM_TAG_VERSION" val="1.0"/>
   <p:tag name="KSO_WM_BEAUTIFY_FLAG" val="#wm#"/>
@@ -3800,7 +4446,7 @@
   <p:tag name="KSO_WM_UNIT_COMPATIBLE" val="0"/>
   <p:tag name="KSO_WM_UNIT_DIAGRAM_ISNUMVISUAL" val="0"/>
   <p:tag name="KSO_WM_UNIT_DIAGRAM_ISREFERUNIT" val="0"/>
-  <p:tag name="KSO_WM_UNIT_ID" val="_9**"/>
+  <p:tag name="KSO_WM_UNIT_ID" val="_10**"/>
   <p:tag name="KSO_WM_UNIT_LAYERLEVEL" val="1"/>
   <p:tag name="KSO_WM_TAG_VERSION" val="1.0"/>
   <p:tag name="KSO_WM_BEAUTIFY_FLAG" val="#wm#"/>
@@ -3813,7 +4459,7 @@
   <p:tag name="KSO_WM_UNIT_COMPATIBLE" val="0"/>
   <p:tag name="KSO_WM_UNIT_DIAGRAM_ISNUMVISUAL" val="0"/>
   <p:tag name="KSO_WM_UNIT_DIAGRAM_ISREFERUNIT" val="0"/>
-  <p:tag name="KSO_WM_UNIT_ID" val="_9**"/>
+  <p:tag name="KSO_WM_UNIT_ID" val="_10**"/>
   <p:tag name="KSO_WM_UNIT_LAYERLEVEL" val="1"/>
   <p:tag name="KSO_WM_TAG_VERSION" val="1.0"/>
   <p:tag name="KSO_WM_BEAUTIFY_FLAG" val="#wm#"/>
@@ -3865,7 +4511,7 @@
   <p:tag name="KSO_WM_UNIT_COMPATIBLE" val="0"/>
   <p:tag name="KSO_WM_UNIT_DIAGRAM_ISNUMVISUAL" val="0"/>
   <p:tag name="KSO_WM_UNIT_DIAGRAM_ISREFERUNIT" val="0"/>
-  <p:tag name="KSO_WM_UNIT_ID" val="_10**"/>
+  <p:tag name="KSO_WM_UNIT_ID" val="_11**"/>
   <p:tag name="KSO_WM_UNIT_LAYERLEVEL" val="1"/>
   <p:tag name="KSO_WM_TAG_VERSION" val="1.0"/>
   <p:tag name="KSO_WM_BEAUTIFY_FLAG" val="#wm#"/>
@@ -3878,7 +4524,7 @@
   <p:tag name="KSO_WM_UNIT_COMPATIBLE" val="0"/>
   <p:tag name="KSO_WM_UNIT_DIAGRAM_ISNUMVISUAL" val="0"/>
   <p:tag name="KSO_WM_UNIT_DIAGRAM_ISREFERUNIT" val="0"/>
-  <p:tag name="KSO_WM_UNIT_ID" val="_10**"/>
+  <p:tag name="KSO_WM_UNIT_ID" val="_11**"/>
   <p:tag name="KSO_WM_UNIT_LAYERLEVEL" val="1"/>
   <p:tag name="KSO_WM_TAG_VERSION" val="1.0"/>
   <p:tag name="KSO_WM_BEAUTIFY_FLAG" val="#wm#"/>
@@ -3925,32 +4571,6 @@
 </file>
 
 <file path=ppt/tags/tag55.xml><?xml version="1.0" encoding="utf-8"?>
-<p:tagLst xmlns:p="http://schemas.openxmlformats.org/presentationml/2006/main">
-  <p:tag name="KSO_WM_UNIT_HIGHLIGHT" val="0"/>
-  <p:tag name="KSO_WM_UNIT_COMPATIBLE" val="0"/>
-  <p:tag name="KSO_WM_UNIT_DIAGRAM_ISNUMVISUAL" val="0"/>
-  <p:tag name="KSO_WM_UNIT_DIAGRAM_ISREFERUNIT" val="0"/>
-  <p:tag name="KSO_WM_UNIT_ID" val="_11**"/>
-  <p:tag name="KSO_WM_UNIT_LAYERLEVEL" val="1"/>
-  <p:tag name="KSO_WM_TAG_VERSION" val="1.0"/>
-  <p:tag name="KSO_WM_BEAUTIFY_FLAG" val="#wm#"/>
-</p:tagLst>
-</file>
-
-<file path=ppt/tags/tag56.xml><?xml version="1.0" encoding="utf-8"?>
-<p:tagLst xmlns:p="http://schemas.openxmlformats.org/presentationml/2006/main">
-  <p:tag name="KSO_WM_UNIT_HIGHLIGHT" val="0"/>
-  <p:tag name="KSO_WM_UNIT_COMPATIBLE" val="0"/>
-  <p:tag name="KSO_WM_UNIT_DIAGRAM_ISNUMVISUAL" val="0"/>
-  <p:tag name="KSO_WM_UNIT_DIAGRAM_ISREFERUNIT" val="0"/>
-  <p:tag name="KSO_WM_UNIT_ID" val="_11**"/>
-  <p:tag name="KSO_WM_UNIT_LAYERLEVEL" val="1"/>
-  <p:tag name="KSO_WM_TAG_VERSION" val="1.0"/>
-  <p:tag name="KSO_WM_BEAUTIFY_FLAG" val="#wm#"/>
-</p:tagLst>
-</file>
-
-<file path=ppt/tags/tag57.xml><?xml version="1.0" encoding="utf-8"?>
 <p:tagLst xmlns:p="http://schemas.openxmlformats.org/presentationml/2006/main">
   <p:tag name="KSO_WM_UNIT_HIGHLIGHT" val="0"/>
   <p:tag name="KSO_WM_UNIT_COMPATIBLE" val="0"/>
@@ -3965,7 +4585,7 @@
 </p:tagLst>
 </file>
 
-<file path=ppt/tags/tag58.xml><?xml version="1.0" encoding="utf-8"?>
+<file path=ppt/tags/tag56.xml><?xml version="1.0" encoding="utf-8"?>
 <p:tagLst xmlns:p="http://schemas.openxmlformats.org/presentationml/2006/main">
   <p:tag name="KSO_WM_UNIT_HIGHLIGHT" val="0"/>
   <p:tag name="KSO_WM_UNIT_COMPATIBLE" val="0"/>
@@ -3980,6 +4600,32 @@
 </p:tagLst>
 </file>
 
+<file path=ppt/tags/tag57.xml><?xml version="1.0" encoding="utf-8"?>
+<p:tagLst xmlns:p="http://schemas.openxmlformats.org/presentationml/2006/main">
+  <p:tag name="KSO_WM_UNIT_HIGHLIGHT" val="0"/>
+  <p:tag name="KSO_WM_UNIT_COMPATIBLE" val="0"/>
+  <p:tag name="KSO_WM_UNIT_DIAGRAM_ISNUMVISUAL" val="0"/>
+  <p:tag name="KSO_WM_UNIT_DIAGRAM_ISREFERUNIT" val="0"/>
+  <p:tag name="KSO_WM_UNIT_ID" val="_0**"/>
+  <p:tag name="KSO_WM_UNIT_LAYERLEVEL" val="1"/>
+  <p:tag name="KSO_WM_TAG_VERSION" val="1.0"/>
+  <p:tag name="KSO_WM_BEAUTIFY_FLAG" val="#wm#"/>
+</p:tagLst>
+</file>
+
+<file path=ppt/tags/tag58.xml><?xml version="1.0" encoding="utf-8"?>
+<p:tagLst xmlns:p="http://schemas.openxmlformats.org/presentationml/2006/main">
+  <p:tag name="KSO_WM_UNIT_HIGHLIGHT" val="0"/>
+  <p:tag name="KSO_WM_UNIT_COMPATIBLE" val="0"/>
+  <p:tag name="KSO_WM_UNIT_DIAGRAM_ISNUMVISUAL" val="0"/>
+  <p:tag name="KSO_WM_UNIT_DIAGRAM_ISREFERUNIT" val="0"/>
+  <p:tag name="KSO_WM_UNIT_ID" val="_0**"/>
+  <p:tag name="KSO_WM_UNIT_LAYERLEVEL" val="1"/>
+  <p:tag name="KSO_WM_TAG_VERSION" val="1.0"/>
+  <p:tag name="KSO_WM_BEAUTIFY_FLAG" val="#wm#"/>
+</p:tagLst>
+</file>
+
 <file path=ppt/tags/tag59.xml><?xml version="1.0" encoding="utf-8"?>
 <p:tagLst xmlns:p="http://schemas.openxmlformats.org/presentationml/2006/main">
   <p:tag name="KSO_WM_UNIT_HIGHLIGHT" val="0"/>
@@ -4007,32 +4653,6 @@
 </file>
 
 <file path=ppt/tags/tag60.xml><?xml version="1.0" encoding="utf-8"?>
-<p:tagLst xmlns:p="http://schemas.openxmlformats.org/presentationml/2006/main">
-  <p:tag name="KSO_WM_UNIT_HIGHLIGHT" val="0"/>
-  <p:tag name="KSO_WM_UNIT_COMPATIBLE" val="0"/>
-  <p:tag name="KSO_WM_UNIT_DIAGRAM_ISNUMVISUAL" val="0"/>
-  <p:tag name="KSO_WM_UNIT_DIAGRAM_ISREFERUNIT" val="0"/>
-  <p:tag name="KSO_WM_UNIT_ID" val="_0**"/>
-  <p:tag name="KSO_WM_UNIT_LAYERLEVEL" val="1"/>
-  <p:tag name="KSO_WM_TAG_VERSION" val="1.0"/>
-  <p:tag name="KSO_WM_BEAUTIFY_FLAG" val="#wm#"/>
-</p:tagLst>
-</file>
-
-<file path=ppt/tags/tag61.xml><?xml version="1.0" encoding="utf-8"?>
-<p:tagLst xmlns:p="http://schemas.openxmlformats.org/presentationml/2006/main">
-  <p:tag name="KSO_WM_UNIT_HIGHLIGHT" val="0"/>
-  <p:tag name="KSO_WM_UNIT_COMPATIBLE" val="0"/>
-  <p:tag name="KSO_WM_UNIT_DIAGRAM_ISNUMVISUAL" val="0"/>
-  <p:tag name="KSO_WM_UNIT_DIAGRAM_ISREFERUNIT" val="0"/>
-  <p:tag name="KSO_WM_UNIT_ID" val="_0**"/>
-  <p:tag name="KSO_WM_UNIT_LAYERLEVEL" val="1"/>
-  <p:tag name="KSO_WM_TAG_VERSION" val="1.0"/>
-  <p:tag name="KSO_WM_BEAUTIFY_FLAG" val="#wm#"/>
-</p:tagLst>
-</file>
-
-<file path=ppt/tags/tag62.xml><?xml version="1.0" encoding="utf-8"?>
 <p:tagLst xmlns:p="http://schemas.openxmlformats.org/presentationml/2006/main">
   <p:tag name="KSO_WM_TEMPLATE_THUMBS_INDEX" val="1、4、7、12、13、14、15、16、17、18、20、24、25、28、33、36、40、43、44"/>
   <p:tag name="KSO_WM_TEMPLATE_SUBCATEGORY" val="19"/>
@@ -4046,7 +4666,7 @@
 </p:tagLst>
 </file>
 
-<file path=ppt/tags/tag63.xml><?xml version="1.0" encoding="utf-8"?>
+<file path=ppt/tags/tag61.xml><?xml version="1.0" encoding="utf-8"?>
 <p:tagLst xmlns:p="http://schemas.openxmlformats.org/presentationml/2006/main">
   <p:tag name="KSO_WM_SLIDE_ID" val="custom20205176_1"/>
   <p:tag name="KSO_WM_TEMPLATE_SUBCATEGORY" val="19"/>
@@ -4067,13 +4687,84 @@
 </p:tagLst>
 </file>
 
+<file path=ppt/tags/tag62.xml><?xml version="1.0" encoding="utf-8"?>
+<p:tagLst xmlns:p="http://schemas.openxmlformats.org/presentationml/2006/main">
+  <p:tag name="KSO_WM_BEAUTIFY_FLAG" val="#wm#"/>
+  <p:tag name="KSO_WM_TEMPLATE_CATEGORY" val="custom"/>
+  <p:tag name="KSO_WM_TEMPLATE_INDEX" val="20205176"/>
+</p:tagLst>
+</file>
+
+<file path=ppt/tags/tag63.xml><?xml version="1.0" encoding="utf-8"?>
+<p:tagLst xmlns:p="http://schemas.openxmlformats.org/presentationml/2006/main">
+  <p:tag name="KSO_WM_BEAUTIFY_FLAG" val="#wm#"/>
+  <p:tag name="KSO_WM_TEMPLATE_CATEGORY" val="custom"/>
+  <p:tag name="KSO_WM_TEMPLATE_INDEX" val="20205176"/>
+</p:tagLst>
+</file>
+
 <file path=ppt/tags/tag64.xml><?xml version="1.0" encoding="utf-8"?>
 <p:tagLst xmlns:p="http://schemas.openxmlformats.org/presentationml/2006/main">
+  <p:tag name="KSO_WM_BEAUTIFY_FLAG" val="#wm#"/>
+  <p:tag name="KSO_WM_TEMPLATE_CATEGORY" val="custom"/>
+  <p:tag name="KSO_WM_TEMPLATE_INDEX" val="20205176"/>
+</p:tagLst>
+</file>
+
+<file path=ppt/tags/tag65.xml><?xml version="1.0" encoding="utf-8"?>
+<p:tagLst xmlns:p="http://schemas.openxmlformats.org/presentationml/2006/main">
+  <p:tag name="KSO_WM_BEAUTIFY_FLAG" val="#wm#"/>
+  <p:tag name="KSO_WM_TEMPLATE_CATEGORY" val="custom"/>
+  <p:tag name="KSO_WM_TEMPLATE_INDEX" val="20205176"/>
+</p:tagLst>
+</file>
+
+<file path=ppt/tags/tag66.xml><?xml version="1.0" encoding="utf-8"?>
+<p:tagLst xmlns:p="http://schemas.openxmlformats.org/presentationml/2006/main">
+  <p:tag name="KSO_WM_BEAUTIFY_FLAG" val=""/>
+</p:tagLst>
+</file>
+
+<file path=ppt/tags/tag67.xml><?xml version="1.0" encoding="utf-8"?>
+<p:tagLst xmlns:p="http://schemas.openxmlformats.org/presentationml/2006/main">
+  <p:tag name="KSO_WM_BEAUTIFY_FLAG" val=""/>
+</p:tagLst>
+</file>
+
+<file path=ppt/tags/tag68.xml><?xml version="1.0" encoding="utf-8"?>
+<p:tagLst xmlns:p="http://schemas.openxmlformats.org/presentationml/2006/main">
+  <p:tag name="KSO_WM_BEAUTIFY_FLAG" val=""/>
+</p:tagLst>
+</file>
+
+<file path=ppt/tags/tag69.xml><?xml version="1.0" encoding="utf-8"?>
+<p:tagLst xmlns:p="http://schemas.openxmlformats.org/presentationml/2006/main">
+  <p:tag name="KSO_WM_BEAUTIFY_FLAG" val="#wm#"/>
+  <p:tag name="KSO_WM_TEMPLATE_CATEGORY" val="custom"/>
+  <p:tag name="KSO_WM_TEMPLATE_INDEX" val="20205176"/>
+</p:tagLst>
+</file>
+
+<file path=ppt/tags/tag7.xml><?xml version="1.0" encoding="utf-8"?>
+<p:tagLst xmlns:p="http://schemas.openxmlformats.org/presentationml/2006/main">
+  <p:tag name="KSO_WM_UNIT_HIGHLIGHT" val="0"/>
+  <p:tag name="KSO_WM_UNIT_COMPATIBLE" val="0"/>
+  <p:tag name="KSO_WM_UNIT_DIAGRAM_ISNUMVISUAL" val="0"/>
+  <p:tag name="KSO_WM_UNIT_DIAGRAM_ISREFERUNIT" val="0"/>
+  <p:tag name="KSO_WM_UNIT_ID" val="_2**"/>
+  <p:tag name="KSO_WM_UNIT_LAYERLEVEL" val="1"/>
+  <p:tag name="KSO_WM_TAG_VERSION" val="1.0"/>
+  <p:tag name="KSO_WM_BEAUTIFY_FLAG" val="#wm#"/>
+</p:tagLst>
+</file>
+
+<file path=ppt/tags/tag70.xml><?xml version="1.0" encoding="utf-8"?>
+<p:tagLst xmlns:p="http://schemas.openxmlformats.org/presentationml/2006/main">
   <p:tag name="COMMONDATA" val="eyJoZGlkIjoiMGNiYmI5YWVjOTk5ZjZhOWZjNGUxNjlhNTAzYmI0NWQifQ=="/>
 </p:tagLst>
 </file>
 
-<file path=ppt/tags/tag7.xml><?xml version="1.0" encoding="utf-8"?>
+<file path=ppt/tags/tag8.xml><?xml version="1.0" encoding="utf-8"?>
 <p:tagLst xmlns:p="http://schemas.openxmlformats.org/presentationml/2006/main">
   <p:tag name="KSO_WM_UNIT_HIGHLIGHT" val="0"/>
   <p:tag name="KSO_WM_UNIT_COMPATIBLE" val="0"/>
@@ -4086,26 +4777,13 @@
 </p:tagLst>
 </file>
 
-<file path=ppt/tags/tag8.xml><?xml version="1.0" encoding="utf-8"?>
-<p:tagLst xmlns:p="http://schemas.openxmlformats.org/presentationml/2006/main">
-  <p:tag name="KSO_WM_UNIT_HIGHLIGHT" val="0"/>
-  <p:tag name="KSO_WM_UNIT_COMPATIBLE" val="0"/>
-  <p:tag name="KSO_WM_UNIT_DIAGRAM_ISNUMVISUAL" val="0"/>
-  <p:tag name="KSO_WM_UNIT_DIAGRAM_ISREFERUNIT" val="0"/>
-  <p:tag name="KSO_WM_UNIT_ID" val="_2**"/>
-  <p:tag name="KSO_WM_UNIT_LAYERLEVEL" val="1"/>
-  <p:tag name="KSO_WM_TAG_VERSION" val="1.0"/>
-  <p:tag name="KSO_WM_BEAUTIFY_FLAG" val="#wm#"/>
-</p:tagLst>
-</file>
-
 <file path=ppt/tags/tag9.xml><?xml version="1.0" encoding="utf-8"?>
 <p:tagLst xmlns:p="http://schemas.openxmlformats.org/presentationml/2006/main">
   <p:tag name="KSO_WM_UNIT_HIGHLIGHT" val="0"/>
   <p:tag name="KSO_WM_UNIT_COMPATIBLE" val="0"/>
   <p:tag name="KSO_WM_UNIT_DIAGRAM_ISNUMVISUAL" val="0"/>
   <p:tag name="KSO_WM_UNIT_DIAGRAM_ISREFERUNIT" val="0"/>
-  <p:tag name="KSO_WM_UNIT_ID" val="_2**"/>
+  <p:tag name="KSO_WM_UNIT_ID" val="_3**"/>
   <p:tag name="KSO_WM_UNIT_LAYERLEVEL" val="1"/>
   <p:tag name="KSO_WM_TAG_VERSION" val="1.0"/>
   <p:tag name="KSO_WM_BEAUTIFY_FLAG" val="#wm#"/>

--- a/第五章 树与二叉树/5.3 二叉树的遍历和线索二叉树/课后习题图.pptx
+++ b/第五章 树与二叉树/5.3 二叉树的遍历和线索二叉树/课后习题图.pptx
@@ -11,11 +11,12 @@
     <p:sldId id="259" r:id="rId6"/>
     <p:sldId id="261" r:id="rId7"/>
     <p:sldId id="262" r:id="rId8"/>
+    <p:sldId id="263" r:id="rId9"/>
   </p:sldIdLst>
   <p:sldSz cx="12192000" cy="6858000"/>
   <p:notesSz cx="6858000" cy="9144000"/>
   <p:custDataLst>
-    <p:tags r:id="rId12"/>
+    <p:tags r:id="rId13"/>
   </p:custDataLst>
   <p:defaultTextStyle>
     <a:defPPr>
@@ -3920,6 +3921,57 @@
 </p:sld>
 </file>
 
+<file path=ppt/slides/slide7.xml><?xml version="1.0" encoding="utf-8"?>
+<p:sld xmlns:a="http://schemas.openxmlformats.org/drawingml/2006/main" xmlns:r="http://schemas.openxmlformats.org/officeDocument/2006/relationships" xmlns:p="http://schemas.openxmlformats.org/presentationml/2006/main">
+  <p:cSld>
+    <p:spTree>
+      <p:nvGrpSpPr>
+        <p:cNvPr id="1" name=""/>
+        <p:cNvGrpSpPr/>
+        <p:nvPr/>
+      </p:nvGrpSpPr>
+      <p:grpSpPr/>
+      <p:pic>
+        <p:nvPicPr>
+          <p:cNvPr id="2" name="图片 1" descr="graph (14)"/>
+          <p:cNvPicPr>
+            <a:picLocks noChangeAspect="1"/>
+          </p:cNvPicPr>
+          <p:nvPr/>
+        </p:nvPicPr>
+        <p:blipFill>
+          <a:blip r:embed="rId1"/>
+          <a:srcRect l="20439" t="13885" r="28988" b="39986"/>
+          <a:stretch>
+            <a:fillRect/>
+          </a:stretch>
+        </p:blipFill>
+        <p:spPr>
+          <a:xfrm>
+            <a:off x="2526665" y="848360"/>
+            <a:ext cx="2268855" cy="2069465"/>
+          </a:xfrm>
+          <a:prstGeom prst="rect">
+            <a:avLst/>
+          </a:prstGeom>
+          <a:ln>
+            <a:solidFill>
+              <a:schemeClr val="accent1"/>
+            </a:solidFill>
+          </a:ln>
+        </p:spPr>
+      </p:pic>
+    </p:spTree>
+    <p:custDataLst>
+      <p:tags r:id="rId2"/>
+    </p:custDataLst>
+  </p:cSld>
+  <p:clrMapOvr>
+    <a:masterClrMapping/>
+  </p:clrMapOvr>
+</p:sld>
+</file>
+
 <file path=ppt/tags/tag1.xml><?xml version="1.0" encoding="utf-8"?>
 <p:tagLst xmlns:p="http://schemas.openxmlformats.org/presentationml/2006/main">
   <p:tag name="KSO_WM_UNIT_HIGHLIGHT" val="0"/>
@@ -4760,7 +4812,16 @@
 
 <file path=ppt/tags/tag70.xml><?xml version="1.0" encoding="utf-8"?>
 <p:tagLst xmlns:p="http://schemas.openxmlformats.org/presentationml/2006/main">
+  <p:tag name="KSO_WM_BEAUTIFY_FLAG" val="#wm#"/>
+  <p:tag name="KSO_WM_TEMPLATE_CATEGORY" val="custom"/>
+  <p:tag name="KSO_WM_TEMPLATE_INDEX" val="20205176"/>
+</p:tagLst>
+</file>
+
+<file path=ppt/tags/tag71.xml><?xml version="1.0" encoding="utf-8"?>
+<p:tagLst xmlns:p="http://schemas.openxmlformats.org/presentationml/2006/main">
   <p:tag name="COMMONDATA" val="eyJoZGlkIjoiMGNiYmI5YWVjOTk5ZjZhOWZjNGUxNjlhNTAzYmI0NWQifQ=="/>
+  <p:tag name="KSO_WPP_MARK_KEY" val="c50f5f91-41d1-403c-af78-2644253cb6fe"/>
 </p:tagLst>
 </file>
 

--- a/第五章 树与二叉树/5.3 二叉树的遍历和线索二叉树/课后习题图.pptx
+++ b/第五章 树与二叉树/5.3 二叉树的遍历和线索二叉树/课后习题图.pptx
@@ -12,11 +12,12 @@
     <p:sldId id="261" r:id="rId7"/>
     <p:sldId id="262" r:id="rId8"/>
     <p:sldId id="263" r:id="rId9"/>
+    <p:sldId id="264" r:id="rId10"/>
   </p:sldIdLst>
   <p:sldSz cx="12192000" cy="6858000"/>
   <p:notesSz cx="6858000" cy="9144000"/>
   <p:custDataLst>
-    <p:tags r:id="rId13"/>
+    <p:tags r:id="rId14"/>
   </p:custDataLst>
   <p:defaultTextStyle>
     <a:defPPr>
@@ -3972,6 +3973,60 @@
 </p:sld>
 </file>
 
+<file path=ppt/slides/slide8.xml><?xml version="1.0" encoding="utf-8"?>
+<p:sld xmlns:a="http://schemas.openxmlformats.org/drawingml/2006/main" xmlns:r="http://schemas.openxmlformats.org/officeDocument/2006/relationships" xmlns:p="http://schemas.openxmlformats.org/presentationml/2006/main">
+  <p:cSld>
+    <p:spTree>
+      <p:nvGrpSpPr>
+        <p:cNvPr id="1" name=""/>
+        <p:cNvGrpSpPr/>
+        <p:nvPr/>
+      </p:nvGrpSpPr>
+      <p:grpSpPr/>
+      <p:pic>
+        <p:nvPicPr>
+          <p:cNvPr id="100" name="图片 99"/>
+          <p:cNvPicPr/>
+          <p:nvPr>
+            <p:custDataLst>
+              <p:tags r:id="rId1"/>
+            </p:custDataLst>
+          </p:nvPr>
+        </p:nvPicPr>
+        <p:blipFill>
+          <a:blip r:embed="rId2"/>
+          <a:srcRect l="8152" t="5684" r="16462" b="11224"/>
+          <a:stretch>
+            <a:fillRect/>
+          </a:stretch>
+        </p:blipFill>
+        <p:spPr>
+          <a:xfrm>
+            <a:off x="2208530" y="609600"/>
+            <a:ext cx="6659245" cy="5504815"/>
+          </a:xfrm>
+          <a:prstGeom prst="rect">
+            <a:avLst/>
+          </a:prstGeom>
+          <a:noFill/>
+          <a:ln w="9525">
+            <a:solidFill>
+              <a:schemeClr val="accent1"/>
+            </a:solidFill>
+          </a:ln>
+        </p:spPr>
+      </p:pic>
+    </p:spTree>
+    <p:custDataLst>
+      <p:tags r:id="rId3"/>
+    </p:custDataLst>
+  </p:cSld>
+  <p:clrMapOvr>
+    <a:masterClrMapping/>
+  </p:clrMapOvr>
+</p:sld>
+</file>
+
 <file path=ppt/tags/tag1.xml><?xml version="1.0" encoding="utf-8"?>
 <p:tagLst xmlns:p="http://schemas.openxmlformats.org/presentationml/2006/main">
   <p:tag name="KSO_WM_UNIT_HIGHLIGHT" val="0"/>
@@ -4819,6 +4874,20 @@
 </file>
 
 <file path=ppt/tags/tag71.xml><?xml version="1.0" encoding="utf-8"?>
+<p:tagLst xmlns:p="http://schemas.openxmlformats.org/presentationml/2006/main">
+  <p:tag name="KSO_WM_BEAUTIFY_FLAG" val=""/>
+</p:tagLst>
+</file>
+
+<file path=ppt/tags/tag72.xml><?xml version="1.0" encoding="utf-8"?>
+<p:tagLst xmlns:p="http://schemas.openxmlformats.org/presentationml/2006/main">
+  <p:tag name="KSO_WM_BEAUTIFY_FLAG" val="#wm#"/>
+  <p:tag name="KSO_WM_TEMPLATE_CATEGORY" val="custom"/>
+  <p:tag name="KSO_WM_TEMPLATE_INDEX" val="20205176"/>
+</p:tagLst>
+</file>
+
+<file path=ppt/tags/tag73.xml><?xml version="1.0" encoding="utf-8"?>
 <p:tagLst xmlns:p="http://schemas.openxmlformats.org/presentationml/2006/main">
   <p:tag name="COMMONDATA" val="eyJoZGlkIjoiMGNiYmI5YWVjOTk5ZjZhOWZjNGUxNjlhNTAzYmI0NWQifQ=="/>
   <p:tag name="KSO_WPP_MARK_KEY" val="c50f5f91-41d1-403c-af78-2644253cb6fe"/>

--- a/第五章 树与二叉树/5.3 二叉树的遍历和线索二叉树/课后习题图.pptx
+++ b/第五章 树与二叉树/5.3 二叉树的遍历和线索二叉树/课后习题图.pptx
@@ -13,11 +13,12 @@
     <p:sldId id="262" r:id="rId8"/>
     <p:sldId id="263" r:id="rId9"/>
     <p:sldId id="264" r:id="rId10"/>
+    <p:sldId id="265" r:id="rId11"/>
   </p:sldIdLst>
   <p:sldSz cx="12192000" cy="6858000"/>
   <p:notesSz cx="6858000" cy="9144000"/>
   <p:custDataLst>
-    <p:tags r:id="rId14"/>
+    <p:tags r:id="rId15"/>
   </p:custDataLst>
   <p:defaultTextStyle>
     <a:defPPr>
@@ -4027,6 +4028,57 @@
 </p:sld>
 </file>
 
+<file path=ppt/slides/slide9.xml><?xml version="1.0" encoding="utf-8"?>
+<p:sld xmlns:a="http://schemas.openxmlformats.org/drawingml/2006/main" xmlns:r="http://schemas.openxmlformats.org/officeDocument/2006/relationships" xmlns:p="http://schemas.openxmlformats.org/presentationml/2006/main">
+  <p:cSld>
+    <p:spTree>
+      <p:nvGrpSpPr>
+        <p:cNvPr id="1" name=""/>
+        <p:cNvGrpSpPr/>
+        <p:nvPr/>
+      </p:nvGrpSpPr>
+      <p:grpSpPr/>
+      <p:pic>
+        <p:nvPicPr>
+          <p:cNvPr id="2" name="图片 1" descr="v2-2bb367684b853a3243d8b5f6a76c3929_r"/>
+          <p:cNvPicPr>
+            <a:picLocks noChangeAspect="1"/>
+          </p:cNvPicPr>
+          <p:nvPr/>
+        </p:nvPicPr>
+        <p:blipFill>
+          <a:blip r:embed="rId1"/>
+          <a:srcRect l="8547" t="5847" r="11408" b="11061"/>
+          <a:stretch>
+            <a:fillRect/>
+          </a:stretch>
+        </p:blipFill>
+        <p:spPr>
+          <a:xfrm>
+            <a:off x="2433955" y="503555"/>
+            <a:ext cx="7070725" cy="5504815"/>
+          </a:xfrm>
+          <a:prstGeom prst="rect">
+            <a:avLst/>
+          </a:prstGeom>
+          <a:ln>
+            <a:solidFill>
+              <a:schemeClr val="accent1"/>
+            </a:solidFill>
+          </a:ln>
+        </p:spPr>
+      </p:pic>
+    </p:spTree>
+    <p:custDataLst>
+      <p:tags r:id="rId2"/>
+    </p:custDataLst>
+  </p:cSld>
+  <p:clrMapOvr>
+    <a:masterClrMapping/>
+  </p:clrMapOvr>
+</p:sld>
+</file>
+
 <file path=ppt/tags/tag1.xml><?xml version="1.0" encoding="utf-8"?>
 <p:tagLst xmlns:p="http://schemas.openxmlformats.org/presentationml/2006/main">
   <p:tag name="KSO_WM_UNIT_HIGHLIGHT" val="0"/>
@@ -4888,6 +4940,14 @@
 </file>
 
 <file path=ppt/tags/tag73.xml><?xml version="1.0" encoding="utf-8"?>
+<p:tagLst xmlns:p="http://schemas.openxmlformats.org/presentationml/2006/main">
+  <p:tag name="KSO_WM_BEAUTIFY_FLAG" val="#wm#"/>
+  <p:tag name="KSO_WM_TEMPLATE_CATEGORY" val="custom"/>
+  <p:tag name="KSO_WM_TEMPLATE_INDEX" val="20205176"/>
+</p:tagLst>
+</file>
+
+<file path=ppt/tags/tag74.xml><?xml version="1.0" encoding="utf-8"?>
 <p:tagLst xmlns:p="http://schemas.openxmlformats.org/presentationml/2006/main">
   <p:tag name="COMMONDATA" val="eyJoZGlkIjoiMGNiYmI5YWVjOTk5ZjZhOWZjNGUxNjlhNTAzYmI0NWQifQ=="/>
   <p:tag name="KSO_WPP_MARK_KEY" val="c50f5f91-41d1-403c-af78-2644253cb6fe"/>
